--- a/digitalPoster.pptx
+++ b/digitalPoster.pptx
@@ -116,6 +116,14 @@
       </a:defRPr>
     </a:lvl9pPr>
   </p:defaultTextStyle>
+  <p:extLst>
+    <p:ext uri="{EFAFB233-063F-42B5-8137-9DF3F51BA10A}">
+      <p15:sldGuideLst xmlns:p15="http://schemas.microsoft.com/office/powerpoint/2012/main"/>
+    </p:ext>
+    <p:ext uri="{2D200454-40CA-4A62-9FC3-DE9A4176ACB9}">
+      <p15:notesGuideLst xmlns:p15="http://schemas.microsoft.com/office/powerpoint/2012/main"/>
+    </p:ext>
+  </p:extLst>
 </p:presentation>
 </file>
 
@@ -209,7 +217,7 @@
           <a:p>
             <a:fld id="{C242B66E-C7FE-4238-B095-DBBC681C0C50}" type="datetimeFigureOut">
               <a:rPr lang="en-US" smtClean="0"/>
-              <a:t>11/28/2022</a:t>
+              <a:t>12/5/2022</a:t>
             </a:fld>
             <a:endParaRPr lang="en-US"/>
           </a:p>
@@ -691,7 +699,7 @@
           <a:p>
             <a:fld id="{A3998DE9-2D11-49F9-B332-5F5FBC926D08}" type="datetimeFigureOut">
               <a:rPr lang="en-US" smtClean="0"/>
-              <a:t>11/28/2022</a:t>
+              <a:t>12/5/2022</a:t>
             </a:fld>
             <a:endParaRPr lang="en-US"/>
           </a:p>
@@ -861,7 +869,7 @@
           <a:p>
             <a:fld id="{A3998DE9-2D11-49F9-B332-5F5FBC926D08}" type="datetimeFigureOut">
               <a:rPr lang="en-US" smtClean="0"/>
-              <a:t>11/28/2022</a:t>
+              <a:t>12/5/2022</a:t>
             </a:fld>
             <a:endParaRPr lang="en-US"/>
           </a:p>
@@ -1041,7 +1049,7 @@
           <a:p>
             <a:fld id="{A3998DE9-2D11-49F9-B332-5F5FBC926D08}" type="datetimeFigureOut">
               <a:rPr lang="en-US" smtClean="0"/>
-              <a:t>11/28/2022</a:t>
+              <a:t>12/5/2022</a:t>
             </a:fld>
             <a:endParaRPr lang="en-US"/>
           </a:p>
@@ -1211,7 +1219,7 @@
           <a:p>
             <a:fld id="{A3998DE9-2D11-49F9-B332-5F5FBC926D08}" type="datetimeFigureOut">
               <a:rPr lang="en-US" smtClean="0"/>
-              <a:t>11/28/2022</a:t>
+              <a:t>12/5/2022</a:t>
             </a:fld>
             <a:endParaRPr lang="en-US"/>
           </a:p>
@@ -1455,7 +1463,7 @@
           <a:p>
             <a:fld id="{A3998DE9-2D11-49F9-B332-5F5FBC926D08}" type="datetimeFigureOut">
               <a:rPr lang="en-US" smtClean="0"/>
-              <a:t>11/28/2022</a:t>
+              <a:t>12/5/2022</a:t>
             </a:fld>
             <a:endParaRPr lang="en-US"/>
           </a:p>
@@ -1687,7 +1695,7 @@
           <a:p>
             <a:fld id="{A3998DE9-2D11-49F9-B332-5F5FBC926D08}" type="datetimeFigureOut">
               <a:rPr lang="en-US" smtClean="0"/>
-              <a:t>11/28/2022</a:t>
+              <a:t>12/5/2022</a:t>
             </a:fld>
             <a:endParaRPr lang="en-US"/>
           </a:p>
@@ -2054,7 +2062,7 @@
           <a:p>
             <a:fld id="{A3998DE9-2D11-49F9-B332-5F5FBC926D08}" type="datetimeFigureOut">
               <a:rPr lang="en-US" smtClean="0"/>
-              <a:t>11/28/2022</a:t>
+              <a:t>12/5/2022</a:t>
             </a:fld>
             <a:endParaRPr lang="en-US"/>
           </a:p>
@@ -2172,7 +2180,7 @@
           <a:p>
             <a:fld id="{A3998DE9-2D11-49F9-B332-5F5FBC926D08}" type="datetimeFigureOut">
               <a:rPr lang="en-US" smtClean="0"/>
-              <a:t>11/28/2022</a:t>
+              <a:t>12/5/2022</a:t>
             </a:fld>
             <a:endParaRPr lang="en-US"/>
           </a:p>
@@ -2267,7 +2275,7 @@
           <a:p>
             <a:fld id="{A3998DE9-2D11-49F9-B332-5F5FBC926D08}" type="datetimeFigureOut">
               <a:rPr lang="en-US" smtClean="0"/>
-              <a:t>11/28/2022</a:t>
+              <a:t>12/5/2022</a:t>
             </a:fld>
             <a:endParaRPr lang="en-US"/>
           </a:p>
@@ -2544,7 +2552,7 @@
           <a:p>
             <a:fld id="{A3998DE9-2D11-49F9-B332-5F5FBC926D08}" type="datetimeFigureOut">
               <a:rPr lang="en-US" smtClean="0"/>
-              <a:t>11/28/2022</a:t>
+              <a:t>12/5/2022</a:t>
             </a:fld>
             <a:endParaRPr lang="en-US"/>
           </a:p>
@@ -2801,7 +2809,7 @@
           <a:p>
             <a:fld id="{A3998DE9-2D11-49F9-B332-5F5FBC926D08}" type="datetimeFigureOut">
               <a:rPr lang="en-US" smtClean="0"/>
-              <a:t>11/28/2022</a:t>
+              <a:t>12/5/2022</a:t>
             </a:fld>
             <a:endParaRPr lang="en-US"/>
           </a:p>
@@ -3014,7 +3022,7 @@
           <a:p>
             <a:fld id="{A3998DE9-2D11-49F9-B332-5F5FBC926D08}" type="datetimeFigureOut">
               <a:rPr lang="en-US" smtClean="0"/>
-              <a:t>11/28/2022</a:t>
+              <a:t>12/5/2022</a:t>
             </a:fld>
             <a:endParaRPr lang="en-US"/>
           </a:p>
@@ -3491,7 +3499,7 @@
               <a:rPr lang="en-US" dirty="0">
                 <a:latin typeface="+mn-lt"/>
               </a:rPr>
-              <a:t> to infect cells </a:t>
+              <a:t> in its replication cycle </a:t>
             </a:r>
           </a:p>
         </p:txBody>
@@ -5048,7 +5056,7 @@
               <a:rPr lang="en-US" sz="3200" dirty="0">
                 <a:latin typeface="+mn-lt"/>
               </a:rPr>
-              <a:t>HIV also carries </a:t>
+              <a:t>HIV carries three of </a:t>
             </a:r>
             <a:r>
               <a:rPr lang="en-US" sz="3200" b="1" dirty="0">
@@ -5194,7 +5202,12 @@
             <p:ph idx="1"/>
           </p:nvPr>
         </p:nvSpPr>
-        <p:spPr/>
+        <p:spPr>
+          <a:xfrm>
+            <a:off x="502920" y="1947334"/>
+            <a:ext cx="6309360" cy="2926224"/>
+          </a:xfrm>
+        </p:spPr>
         <p:txBody>
           <a:bodyPr/>
           <a:lstStyle/>
@@ -5226,8 +5239,26 @@
             </a:pPr>
             <a:r>
               <a:rPr lang="en-US" dirty="0"/>
-              <a:t>References from original poster and research can be found below: &lt;&lt;&lt;add references&gt;&gt;&gt; </a:t>
-            </a:r>
+              <a:t>References from original poster and research can be found here: </a:t>
+            </a:r>
+            <a:r>
+              <a:rPr lang="en-US" b="1" dirty="0"/>
+              <a:t>bit.ly/3Fs5ZZh </a:t>
+            </a:r>
+          </a:p>
+          <a:p>
+            <a:pPr marL="457200" indent="-457200">
+              <a:buFont typeface="Arial" panose="020B0604020202020204" pitchFamily="34" charset="0"/>
+              <a:buAutoNum type="arabicPeriod"/>
+            </a:pPr>
+            <a:endParaRPr lang="en-US" dirty="0"/>
+          </a:p>
+          <a:p>
+            <a:pPr marL="457200" indent="-457200">
+              <a:buFont typeface="Arial" panose="020B0604020202020204" pitchFamily="34" charset="0"/>
+              <a:buAutoNum type="arabicPeriod"/>
+            </a:pPr>
+            <a:endParaRPr lang="en-US" dirty="0"/>
           </a:p>
           <a:p>
             <a:pPr marL="457200" indent="-457200">
@@ -5326,6 +5357,53 @@
           <a:prstGeom prst="rect">
             <a:avLst/>
           </a:prstGeom>
+        </p:spPr>
+      </p:pic>
+      <p:pic>
+        <p:nvPicPr>
+          <p:cNvPr id="1026" name="Picture 2" descr="W&amp;J College (@wjcollege) / Twitter">
+            <a:extLst>
+              <a:ext uri="{FF2B5EF4-FFF2-40B4-BE49-F238E27FC236}">
+                <a16:creationId xmlns:a16="http://schemas.microsoft.com/office/drawing/2014/main" id="{C0980115-0608-948E-7843-399F56997D55}"/>
+              </a:ext>
+            </a:extLst>
+          </p:cNvPr>
+          <p:cNvPicPr>
+            <a:picLocks noChangeAspect="1" noChangeArrowheads="1"/>
+          </p:cNvPicPr>
+          <p:nvPr/>
+        </p:nvPicPr>
+        <p:blipFill>
+          <a:blip r:embed="rId6">
+            <a:extLst>
+              <a:ext uri="{28A0092B-C50C-407E-A947-70E740481C1C}">
+                <a14:useLocalDpi xmlns:a14="http://schemas.microsoft.com/office/drawing/2010/main" val="0"/>
+              </a:ext>
+            </a:extLst>
+          </a:blip>
+          <a:srcRect/>
+          <a:stretch>
+            <a:fillRect/>
+          </a:stretch>
+        </p:blipFill>
+        <p:spPr bwMode="auto">
+          <a:xfrm>
+            <a:off x="457200" y="4970472"/>
+            <a:ext cx="1926077" cy="1926077"/>
+          </a:xfrm>
+          <a:prstGeom prst="rect">
+            <a:avLst/>
+          </a:prstGeom>
+          <a:noFill/>
+          <a:extLst>
+            <a:ext uri="{909E8E84-426E-40DD-AFC4-6F175D3DCCD1}">
+              <a14:hiddenFill xmlns:a14="http://schemas.microsoft.com/office/drawing/2010/main">
+                <a:solidFill>
+                  <a:srgbClr val="FFFFFF"/>
+                </a:solidFill>
+              </a14:hiddenFill>
+            </a:ext>
+          </a:extLst>
         </p:spPr>
       </p:pic>
     </p:spTree>
@@ -5419,7 +5497,19 @@
               <a:rPr lang="en-US" b="1" dirty="0">
                 <a:latin typeface="+mn-lt"/>
               </a:rPr>
-              <a:t>also mutates </a:t>
+              <a:t>also mutates</a:t>
+            </a:r>
+            <a:r>
+              <a:rPr lang="en-US" dirty="0">
+                <a:latin typeface="+mn-lt"/>
+              </a:rPr>
+              <a:t>, possibly leading to </a:t>
+            </a:r>
+            <a:r>
+              <a:rPr lang="en-US" b="1" dirty="0">
+                <a:latin typeface="+mn-lt"/>
+              </a:rPr>
+              <a:t>drug resistance </a:t>
             </a:r>
           </a:p>
         </p:txBody>
@@ -6077,8 +6167,8 @@
         </p:nvSpPr>
         <p:spPr>
           <a:xfrm>
-            <a:off x="2869659" y="6172648"/>
-            <a:ext cx="4445541" cy="830997"/>
+            <a:off x="2840477" y="6172648"/>
+            <a:ext cx="4474723" cy="830997"/>
           </a:xfrm>
           <a:prstGeom prst="rect">
             <a:avLst/>
@@ -6101,7 +6191,7 @@
             </a:r>
             <a:r>
               <a:rPr lang="en-US" sz="2400" dirty="0"/>
-              <a:t> </a:t>
+              <a:t> (high fidelity)</a:t>
             </a:r>
           </a:p>
         </p:txBody>
@@ -6335,23 +6425,15 @@
           <a:p>
             <a:r>
               <a:rPr lang="en-US" sz="2400" dirty="0"/>
-              <a:t>If too much mutation occurs, the DNA may </a:t>
+              <a:t>Too many genetic mutations occurred, making the protein </a:t>
             </a:r>
             <a:r>
               <a:rPr lang="en-US" sz="2400" b="1" dirty="0"/>
-              <a:t>not be functional</a:t>
+              <a:t>non-functional, </a:t>
             </a:r>
             <a:r>
               <a:rPr lang="en-US" sz="2400" dirty="0"/>
-              <a:t> and could be </a:t>
-            </a:r>
-            <a:r>
-              <a:rPr lang="en-US" sz="2400" b="1" dirty="0"/>
-              <a:t>recycled</a:t>
-            </a:r>
-            <a:r>
-              <a:rPr lang="en-US" sz="2400" dirty="0"/>
-              <a:t> </a:t>
+              <a:t>stopping the replication cycle </a:t>
             </a:r>
           </a:p>
           <a:p>
@@ -6370,16 +6452,12 @@
           </a:p>
           <a:p>
             <a:r>
+              <a:rPr lang="en-US" sz="2400" b="1" dirty="0"/>
+              <a:t>Treatments </a:t>
+            </a:r>
+            <a:r>
               <a:rPr lang="en-US" sz="2400" dirty="0"/>
-              <a:t>The </a:t>
-            </a:r>
-            <a:r>
-              <a:rPr lang="en-US" sz="2400" b="1" dirty="0"/>
-              <a:t>patients’ treatments </a:t>
-            </a:r>
-            <a:r>
-              <a:rPr lang="en-US" sz="2400" dirty="0"/>
-              <a:t>helped lower the replication of HIV, which led to a lower mutation rate </a:t>
+              <a:t>lowered the replication of HIV, leading to a lower mutation rate </a:t>
             </a:r>
           </a:p>
           <a:p>
@@ -7601,8 +7679,8 @@
         </p:nvSpPr>
         <p:spPr>
           <a:xfrm>
-            <a:off x="311469" y="1391053"/>
-            <a:ext cx="6692261" cy="1200329"/>
+            <a:off x="330740" y="1528861"/>
+            <a:ext cx="6692261" cy="1384995"/>
           </a:xfrm>
           <a:prstGeom prst="rect">
             <a:avLst/>
@@ -7616,29 +7694,37 @@
           <a:lstStyle/>
           <a:p>
             <a:r>
-              <a:rPr lang="en-US" sz="2400" b="1" dirty="0"/>
+              <a:rPr lang="en-US" sz="2800" b="1" dirty="0"/>
               <a:t>Viral load </a:t>
             </a:r>
             <a:r>
-              <a:rPr lang="en-US" sz="2400" dirty="0"/>
+              <a:rPr lang="en-US" sz="2800" dirty="0"/>
               <a:t>measures the amount of </a:t>
             </a:r>
             <a:r>
-              <a:rPr lang="en-US" sz="2400" b="1" dirty="0"/>
+              <a:rPr lang="en-US" sz="2800" b="1" dirty="0"/>
               <a:t>HIV virus</a:t>
             </a:r>
           </a:p>
           <a:p>
             <a:r>
-              <a:rPr lang="en-US" sz="2400" b="1" dirty="0"/>
+              <a:rPr lang="en-US" sz="2800" b="1" dirty="0"/>
               <a:t>CD4 count </a:t>
             </a:r>
             <a:r>
-              <a:rPr lang="en-US" sz="2400" dirty="0"/>
-              <a:t>measures the amount of T </a:t>
-            </a:r>
-            <a:r>
-              <a:rPr lang="en-US" sz="2400" b="1" dirty="0"/>
+              <a:rPr lang="en-US" sz="2800" dirty="0"/>
+              <a:t>measures the amount of </a:t>
+            </a:r>
+            <a:r>
+              <a:rPr lang="en-US" sz="2800" b="1" dirty="0"/>
+              <a:t>T</a:t>
+            </a:r>
+            <a:r>
+              <a:rPr lang="en-US" sz="2800" dirty="0"/>
+              <a:t> </a:t>
+            </a:r>
+            <a:r>
+              <a:rPr lang="en-US" sz="2800" b="1" dirty="0"/>
               <a:t>white blood cells </a:t>
             </a:r>
           </a:p>
@@ -7675,7 +7761,7 @@
         </p:blipFill>
         <p:spPr>
           <a:xfrm>
-            <a:off x="573932" y="3142035"/>
+            <a:off x="418289" y="4026504"/>
             <a:ext cx="2529192" cy="2529192"/>
           </a:xfrm>
           <a:prstGeom prst="rect">
@@ -7712,7 +7798,7 @@
         </p:blipFill>
         <p:spPr bwMode="auto">
           <a:xfrm>
-            <a:off x="4212078" y="3398782"/>
+            <a:off x="4234200" y="4232303"/>
             <a:ext cx="2182164" cy="2182164"/>
           </a:xfrm>
           <a:prstGeom prst="rect">
@@ -7744,7 +7830,7 @@
         </p:nvSpPr>
         <p:spPr>
           <a:xfrm>
-            <a:off x="6200410" y="3680384"/>
+            <a:off x="6200410" y="4232303"/>
             <a:ext cx="431908" cy="369332"/>
           </a:xfrm>
           <a:prstGeom prst="rect">
@@ -8049,20 +8135,6 @@
           <a:p>
             <a:r>
               <a:rPr lang="en-US" sz="2000" dirty="0"/>
-              <a:t>Three patients were </a:t>
-            </a:r>
-            <a:r>
-              <a:rPr lang="en-US" sz="2000" b="1" dirty="0"/>
-              <a:t>arbitrarily picked</a:t>
-            </a:r>
-            <a:r>
-              <a:rPr lang="en-US" sz="2000" dirty="0"/>
-              <a:t> from different similarity rates. </a:t>
-            </a:r>
-          </a:p>
-          <a:p>
-            <a:r>
-              <a:rPr lang="en-US" sz="2000" dirty="0"/>
               <a:t>The CD4 count </a:t>
             </a:r>
             <a:r>
@@ -8075,6 +8147,9 @@
             </a:r>
           </a:p>
           <a:p>
+            <a:endParaRPr lang="en-US" sz="2000" dirty="0"/>
+          </a:p>
+          <a:p>
             <a:r>
               <a:rPr lang="en-US" sz="2000" dirty="0"/>
               <a:t>There is </a:t>
@@ -8103,6 +8178,12 @@
               <a:rPr lang="en-US" sz="2000" dirty="0"/>
               <a:t>. </a:t>
             </a:r>
+          </a:p>
+          <a:p>
+            <a:endParaRPr lang="en-US" sz="2000" dirty="0"/>
+          </a:p>
+          <a:p>
+            <a:endParaRPr lang="en-US" sz="2000" dirty="0"/>
           </a:p>
         </p:txBody>
       </p:sp>
@@ -8326,7 +8407,7 @@
           <a:p>
             <a:r>
               <a:rPr lang="en-US" dirty="0"/>
-              <a:t>&lt;&lt;add one more?&gt;&gt; </a:t>
+              <a:t>What are common mutations that occur in RT? </a:t>
             </a:r>
           </a:p>
         </p:txBody>
